--- a/presentations/litreview_prez.pptx
+++ b/presentations/litreview_prez.pptx
@@ -107,6 +107,11 @@
       </a:defRPr>
     </a:lvl9pPr>
   </p:defaultTextStyle>
+  <p:extLst>
+    <p:ext uri="{EFAFB233-063F-42B5-8137-9DF3F51BA10A}">
+      <p15:sldGuideLst xmlns:p15="http://schemas.microsoft.com/office/powerpoint/2012/main"/>
+    </p:ext>
+  </p:extLst>
 </p:presentation>
 </file>
 
@@ -6334,27 +6339,27 @@
             </a:r>
             <a:r>
               <a:rPr lang="en-US" dirty="0" smtClean="0"/>
-              <a:t> law has been used in different </a:t>
-            </a:r>
-            <a:r>
-              <a:rPr lang="en-US" dirty="0" err="1" smtClean="0"/>
-              <a:t>secots</a:t>
+              <a:t> law has been used in </a:t>
+            </a:r>
+            <a:r>
+              <a:rPr lang="en-US" smtClean="0"/>
+              <a:t>different </a:t>
+            </a:r>
+            <a:r>
+              <a:rPr lang="en-US" smtClean="0"/>
+              <a:t>sectors </a:t>
             </a:r>
             <a:r>
               <a:rPr lang="en-US" dirty="0" smtClean="0"/>
-              <a:t> and can use the technique in this study</a:t>
+              <a:t>and can use the technique in this study</a:t>
             </a:r>
           </a:p>
           <a:p>
             <a:r>
               <a:rPr lang="en-US" dirty="0" smtClean="0"/>
-              <a:t>Might need to focus more </a:t>
-            </a:r>
-            <a:r>
-              <a:rPr lang="en-US" smtClean="0"/>
-              <a:t>on recipient countries rather than on the donors</a:t>
-            </a:r>
-            <a:endParaRPr lang="en-US"/>
+              <a:t>Might need to focus more on recipient countries rather than on the donors</a:t>
+            </a:r>
+            <a:endParaRPr lang="en-US" dirty="0"/>
           </a:p>
         </p:txBody>
       </p:sp>

--- a/presentations/litreview_prez.pptx
+++ b/presentations/litreview_prez.pptx
@@ -301,7 +301,7 @@
           <a:p>
             <a:fld id="{4AAD347D-5ACD-4C99-B74B-A9C85AD731AF}" type="datetimeFigureOut">
               <a:rPr lang="en-US" dirty="0"/>
-              <a:t>10/26/15</a:t>
+              <a:t>12/13/15</a:t>
             </a:fld>
             <a:endParaRPr lang="en-US" dirty="0"/>
           </a:p>
@@ -571,7 +571,7 @@
           <a:p>
             <a:fld id="{4509A250-FF31-4206-8172-F9D3106AACB1}" type="datetimeFigureOut">
               <a:rPr lang="en-US" dirty="0"/>
-              <a:t>10/26/15</a:t>
+              <a:t>12/13/15</a:t>
             </a:fld>
             <a:endParaRPr lang="en-US" dirty="0"/>
           </a:p>
@@ -760,7 +760,7 @@
           <a:p>
             <a:fld id="{4509A250-FF31-4206-8172-F9D3106AACB1}" type="datetimeFigureOut">
               <a:rPr lang="en-US" dirty="0"/>
-              <a:t>10/26/15</a:t>
+              <a:t>12/13/15</a:t>
             </a:fld>
             <a:endParaRPr lang="en-US" dirty="0"/>
           </a:p>
@@ -1028,7 +1028,7 @@
           <a:p>
             <a:fld id="{4509A250-FF31-4206-8172-F9D3106AACB1}" type="datetimeFigureOut">
               <a:rPr lang="en-US" dirty="0"/>
-              <a:t>10/26/15</a:t>
+              <a:t>12/13/15</a:t>
             </a:fld>
             <a:endParaRPr lang="en-US" dirty="0"/>
           </a:p>
@@ -1364,7 +1364,7 @@
           <a:p>
             <a:fld id="{4509A250-FF31-4206-8172-F9D3106AACB1}" type="datetimeFigureOut">
               <a:rPr lang="en-US" dirty="0"/>
-              <a:t>10/26/15</a:t>
+              <a:t>12/13/15</a:t>
             </a:fld>
             <a:endParaRPr lang="en-US" dirty="0"/>
           </a:p>
@@ -1982,7 +1982,7 @@
           <a:p>
             <a:fld id="{4509A250-FF31-4206-8172-F9D3106AACB1}" type="datetimeFigureOut">
               <a:rPr lang="en-US" dirty="0"/>
-              <a:t>10/26/15</a:t>
+              <a:t>12/13/15</a:t>
             </a:fld>
             <a:endParaRPr lang="en-US" dirty="0"/>
           </a:p>
@@ -2837,7 +2837,7 @@
           <a:p>
             <a:fld id="{4509A250-FF31-4206-8172-F9D3106AACB1}" type="datetimeFigureOut">
               <a:rPr lang="en-US" dirty="0"/>
-              <a:t>10/26/15</a:t>
+              <a:t>12/13/15</a:t>
             </a:fld>
             <a:endParaRPr lang="en-US" dirty="0"/>
           </a:p>
@@ -3002,7 +3002,7 @@
           <a:p>
             <a:fld id="{4509A250-FF31-4206-8172-F9D3106AACB1}" type="datetimeFigureOut">
               <a:rPr lang="en-US" dirty="0"/>
-              <a:t>10/26/15</a:t>
+              <a:t>12/13/15</a:t>
             </a:fld>
             <a:endParaRPr lang="en-US" dirty="0"/>
           </a:p>
@@ -3177,7 +3177,7 @@
           <a:p>
             <a:fld id="{4509A250-FF31-4206-8172-F9D3106AACB1}" type="datetimeFigureOut">
               <a:rPr lang="en-US" dirty="0"/>
-              <a:t>10/26/15</a:t>
+              <a:t>12/13/15</a:t>
             </a:fld>
             <a:endParaRPr lang="en-US" dirty="0"/>
           </a:p>
@@ -3342,7 +3342,7 @@
           <a:p>
             <a:fld id="{4509A250-FF31-4206-8172-F9D3106AACB1}" type="datetimeFigureOut">
               <a:rPr lang="en-US" dirty="0"/>
-              <a:t>10/26/15</a:t>
+              <a:t>12/13/15</a:t>
             </a:fld>
             <a:endParaRPr lang="en-US" dirty="0"/>
           </a:p>
@@ -3584,7 +3584,7 @@
           <a:p>
             <a:fld id="{9796027F-7875-4030-9381-8BD8C4F21935}" type="datetimeFigureOut">
               <a:rPr lang="en-US" dirty="0"/>
-              <a:t>10/26/15</a:t>
+              <a:t>12/13/15</a:t>
             </a:fld>
             <a:endParaRPr lang="en-US" dirty="0"/>
           </a:p>
@@ -3871,7 +3871,7 @@
           <a:p>
             <a:fld id="{9796027F-7875-4030-9381-8BD8C4F21935}" type="datetimeFigureOut">
               <a:rPr lang="en-US" dirty="0"/>
-              <a:t>10/26/15</a:t>
+              <a:t>12/13/15</a:t>
             </a:fld>
             <a:endParaRPr lang="en-US" dirty="0"/>
           </a:p>
@@ -4310,7 +4310,7 @@
           <a:p>
             <a:fld id="{9796027F-7875-4030-9381-8BD8C4F21935}" type="datetimeFigureOut">
               <a:rPr lang="en-US" dirty="0"/>
-              <a:t>10/26/15</a:t>
+              <a:t>12/13/15</a:t>
             </a:fld>
             <a:endParaRPr lang="en-US" dirty="0"/>
           </a:p>
@@ -4423,7 +4423,7 @@
           <a:p>
             <a:fld id="{4509A250-FF31-4206-8172-F9D3106AACB1}" type="datetimeFigureOut">
               <a:rPr lang="en-US" dirty="0"/>
-              <a:t>10/26/15</a:t>
+              <a:t>12/13/15</a:t>
             </a:fld>
             <a:endParaRPr lang="en-US" dirty="0"/>
           </a:p>
@@ -4513,7 +4513,7 @@
           <a:p>
             <a:fld id="{4509A250-FF31-4206-8172-F9D3106AACB1}" type="datetimeFigureOut">
               <a:rPr lang="en-US" dirty="0"/>
-              <a:t>10/26/15</a:t>
+              <a:t>12/13/15</a:t>
             </a:fld>
             <a:endParaRPr lang="en-US" dirty="0"/>
           </a:p>
@@ -4787,7 +4787,7 @@
           <a:p>
             <a:fld id="{4509A250-FF31-4206-8172-F9D3106AACB1}" type="datetimeFigureOut">
               <a:rPr lang="en-US" dirty="0"/>
-              <a:t>10/26/15</a:t>
+              <a:t>12/13/15</a:t>
             </a:fld>
             <a:endParaRPr lang="en-US" dirty="0"/>
           </a:p>
@@ -5057,7 +5057,7 @@
           <a:p>
             <a:fld id="{4509A250-FF31-4206-8172-F9D3106AACB1}" type="datetimeFigureOut">
               <a:rPr lang="en-US" dirty="0"/>
-              <a:t>10/26/15</a:t>
+              <a:t>12/13/15</a:t>
             </a:fld>
             <a:endParaRPr lang="en-US" dirty="0"/>
           </a:p>
@@ -5481,7 +5481,7 @@
           <a:p>
             <a:fld id="{4AAD347D-5ACD-4C99-B74B-A9C85AD731AF}" type="datetimeFigureOut">
               <a:rPr lang="en-US" dirty="0"/>
-              <a:t>10/26/15</a:t>
+              <a:t>12/13/15</a:t>
             </a:fld>
             <a:endParaRPr lang="en-US" dirty="0"/>
           </a:p>
@@ -6343,11 +6343,7 @@
             </a:r>
             <a:r>
               <a:rPr lang="en-US" smtClean="0"/>
-              <a:t>different </a:t>
-            </a:r>
-            <a:r>
-              <a:rPr lang="en-US" smtClean="0"/>
-              <a:t>sectors </a:t>
+              <a:t>different sectors </a:t>
             </a:r>
             <a:r>
               <a:rPr lang="en-US" dirty="0" smtClean="0"/>
